--- a/MachineLearning/PPT/Ch01BModelEvaluationAndSelection.pptx
+++ b/MachineLearning/PPT/Ch01BModelEvaluationAndSelection.pptx
@@ -230,7 +230,7 @@
           <a:p>
             <a:fld id="{ABD1DD95-2A29-4EE2-B225-52E901FF2496}" type="datetimeFigureOut">
               <a:rPr lang="zh-CN" altLang="en-US" smtClean="0"/>
-              <a:t>2020-1-14</a:t>
+              <a:t>2020-2-20</a:t>
             </a:fld>
             <a:endParaRPr lang="zh-CN" altLang="en-US"/>
           </a:p>
@@ -395,7 +395,7 @@
           <a:p>
             <a:fld id="{67032A47-0651-4271-B9F6-B3977625BE84}" type="datetimeFigureOut">
               <a:rPr lang="zh-CN" altLang="en-US" smtClean="0"/>
-              <a:t>2020-1-14</a:t>
+              <a:t>2020-2-20</a:t>
             </a:fld>
             <a:endParaRPr lang="zh-CN" altLang="en-US"/>
           </a:p>
@@ -844,7 +844,7 @@
                 <a:ea typeface="微软雅黑" panose="020B0503020204020204" pitchFamily="34" charset="-122"/>
                 <a:cs typeface="Vrinda" panose="020B0502040204020203" pitchFamily="34" charset="0"/>
               </a:rPr>
-              <a:t>January 14, 2020</a:t>
+              <a:t>February 20, 2020</a:t>
             </a:fld>
             <a:endParaRPr lang="zh-CN" altLang="en-US" sz="1800" b="0" dirty="0">
               <a:solidFill>
@@ -1474,7 +1474,7 @@
                 <a:ea typeface="微软雅黑" panose="020B0503020204020204" pitchFamily="34" charset="-122"/>
                 <a:cs typeface="Vrinda" panose="020B0502040204020203" pitchFamily="34" charset="0"/>
               </a:rPr>
-              <a:t>January 14, 2020</a:t>
+              <a:t>February 20, 2020</a:t>
             </a:fld>
             <a:endParaRPr lang="zh-CN" altLang="en-US" sz="1800" b="0" dirty="0">
               <a:solidFill>
@@ -2413,18 +2413,17 @@
           <a:lstStyle/>
           <a:p>
             <a:r>
-              <a:rPr lang="zh-CN" altLang="en-US" dirty="0"/>
+              <a:rPr lang="zh-CN" altLang="en-US" b="1" dirty="0"/>
               <a:t>第</a:t>
             </a:r>
             <a:r>
-              <a:rPr lang="en-US" altLang="zh-CN" dirty="0"/>
+              <a:rPr lang="en-US" altLang="zh-CN" b="1" dirty="0"/>
               <a:t>1.2</a:t>
             </a:r>
             <a:r>
-              <a:rPr lang="zh-CN" altLang="en-US"/>
+              <a:rPr lang="zh-CN" altLang="en-US" b="1" dirty="0"/>
               <a:t>讲 模型评估与选择</a:t>
             </a:r>
-            <a:endParaRPr lang="zh-CN" altLang="en-US" dirty="0"/>
           </a:p>
         </p:txBody>
       </p:sp>

--- a/MachineLearning/PPT/Ch01BModelEvaluationAndSelection.pptx
+++ b/MachineLearning/PPT/Ch01BModelEvaluationAndSelection.pptx
@@ -230,7 +230,7 @@
           <a:p>
             <a:fld id="{ABD1DD95-2A29-4EE2-B225-52E901FF2496}" type="datetimeFigureOut">
               <a:rPr lang="zh-CN" altLang="en-US" smtClean="0"/>
-              <a:t>2020-2-20</a:t>
+              <a:t>2020-2-22</a:t>
             </a:fld>
             <a:endParaRPr lang="zh-CN" altLang="en-US"/>
           </a:p>
@@ -395,7 +395,7 @@
           <a:p>
             <a:fld id="{67032A47-0651-4271-B9F6-B3977625BE84}" type="datetimeFigureOut">
               <a:rPr lang="zh-CN" altLang="en-US" smtClean="0"/>
-              <a:t>2020-2-20</a:t>
+              <a:t>2020-2-22</a:t>
             </a:fld>
             <a:endParaRPr lang="zh-CN" altLang="en-US"/>
           </a:p>
@@ -844,7 +844,7 @@
                 <a:ea typeface="微软雅黑" panose="020B0503020204020204" pitchFamily="34" charset="-122"/>
                 <a:cs typeface="Vrinda" panose="020B0502040204020203" pitchFamily="34" charset="0"/>
               </a:rPr>
-              <a:t>February 20, 2020</a:t>
+              <a:t>February 22, 2020</a:t>
             </a:fld>
             <a:endParaRPr lang="zh-CN" altLang="en-US" sz="1800" b="0" dirty="0">
               <a:solidFill>
@@ -1474,7 +1474,7 @@
                 <a:ea typeface="微软雅黑" panose="020B0503020204020204" pitchFamily="34" charset="-122"/>
                 <a:cs typeface="Vrinda" panose="020B0502040204020203" pitchFamily="34" charset="0"/>
               </a:rPr>
-              <a:t>February 20, 2020</a:t>
+              <a:t>February 22, 2020</a:t>
             </a:fld>
             <a:endParaRPr lang="zh-CN" altLang="en-US" sz="1800" b="0" dirty="0">
               <a:solidFill>
@@ -1862,27 +1862,7 @@
                 <a:latin typeface="Calibri Light" panose="020F0302020204030204" pitchFamily="34" charset="0"/>
                 <a:ea typeface="微软雅黑 Light" panose="020B0502040204020203" pitchFamily="34" charset="-122"/>
               </a:rPr>
-              <a:t>Yunnan Open </a:t>
-            </a:r>
-            <a:r>
-              <a:rPr lang="en-US" altLang="zh-CN" sz="1050" baseline="0" dirty="0" err="1">
-                <a:solidFill>
-                  <a:schemeClr val="bg1"/>
-                </a:solidFill>
-                <a:latin typeface="Calibri Light" panose="020F0302020204030204" pitchFamily="34" charset="0"/>
-                <a:ea typeface="微软雅黑 Light" panose="020B0502040204020203" pitchFamily="34" charset="-122"/>
-              </a:rPr>
-              <a:t>Univsersity</a:t>
-            </a:r>
-            <a:r>
-              <a:rPr lang="en-US" altLang="zh-CN" sz="1050" baseline="0" dirty="0">
-                <a:solidFill>
-                  <a:schemeClr val="bg1"/>
-                </a:solidFill>
-                <a:latin typeface="Calibri Light" panose="020F0302020204030204" pitchFamily="34" charset="0"/>
-                <a:ea typeface="微软雅黑 Light" panose="020B0502040204020203" pitchFamily="34" charset="-122"/>
-              </a:rPr>
-              <a:t>                                                                                </a:t>
+              <a:t>Yunnan Open University                                                                                </a:t>
             </a:r>
             <a:fld id="{7202DD23-40A6-4897-9814-C905B8680320}" type="slidenum">
               <a:rPr lang="en-US" altLang="zh-CN" sz="900" baseline="0" smtClean="0">
